--- a/Reports/TKKYIA ppt.pptx
+++ b/Reports/TKKYIA ppt.pptx
@@ -16220,7 +16220,33 @@
                   <a:latin typeface="Roboto" panose="02000000000000000000" pitchFamily="2" charset="0"/>
                   <a:ea typeface="Roboto" panose="02000000000000000000" pitchFamily="2" charset="0"/>
                 </a:rPr>
-                <a:t>Swarm is a system where multiple robots co-operate to accomplish a certain mission where each robot is able to take its own specific role and carry it out.</a:t>
+                <a:t>Swarm is a system where </a:t>
+              </a:r>
+              <a:r>
+                <a:rPr lang="en-GB" dirty="0" smtClean="0">
+                  <a:solidFill>
+                    <a:schemeClr val="tx1">
+                      <a:lumMod val="50000"/>
+                      <a:lumOff val="50000"/>
+                    </a:schemeClr>
+                  </a:solidFill>
+                  <a:latin typeface="Roboto" panose="02000000000000000000" pitchFamily="2" charset="0"/>
+                  <a:ea typeface="Roboto" panose="02000000000000000000" pitchFamily="2" charset="0"/>
+                </a:rPr>
+                <a:t>multiple </a:t>
+              </a:r>
+              <a:r>
+                <a:rPr lang="en-GB" dirty="0" smtClean="0">
+                  <a:solidFill>
+                    <a:schemeClr val="tx1">
+                      <a:lumMod val="50000"/>
+                      <a:lumOff val="50000"/>
+                    </a:schemeClr>
+                  </a:solidFill>
+                  <a:latin typeface="Roboto" panose="02000000000000000000" pitchFamily="2" charset="0"/>
+                  <a:ea typeface="Roboto" panose="02000000000000000000" pitchFamily="2" charset="0"/>
+                </a:rPr>
+                <a:t>robots co-operate to accomplish a certain mission where each robot is able to take its own specific role and carry it out.</a:t>
               </a:r>
             </a:p>
           </p:txBody>
@@ -16319,7 +16345,33 @@
                   <a:latin typeface="Roboto" panose="02000000000000000000" pitchFamily="2" charset="0"/>
                   <a:ea typeface="Roboto" panose="02000000000000000000" pitchFamily="2" charset="0"/>
                 </a:rPr>
-                <a:t>Swarm is when multiple robots are able to act as multi-purpose and as a whole swarm have the ability to multi-task using multiple sensors.</a:t>
+                <a:t>Swarm is when multiple </a:t>
+              </a:r>
+              <a:r>
+                <a:rPr lang="en-GB" dirty="0" smtClean="0">
+                  <a:solidFill>
+                    <a:schemeClr val="tx1">
+                      <a:lumMod val="50000"/>
+                      <a:lumOff val="50000"/>
+                    </a:schemeClr>
+                  </a:solidFill>
+                  <a:latin typeface="Roboto" panose="02000000000000000000" pitchFamily="2" charset="0"/>
+                  <a:ea typeface="Roboto" panose="02000000000000000000" pitchFamily="2" charset="0"/>
+                </a:rPr>
+                <a:t>robots </a:t>
+              </a:r>
+              <a:r>
+                <a:rPr lang="en-GB" dirty="0" smtClean="0">
+                  <a:solidFill>
+                    <a:schemeClr val="tx1">
+                      <a:lumMod val="50000"/>
+                      <a:lumOff val="50000"/>
+                    </a:schemeClr>
+                  </a:solidFill>
+                  <a:latin typeface="Roboto" panose="02000000000000000000" pitchFamily="2" charset="0"/>
+                  <a:ea typeface="Roboto" panose="02000000000000000000" pitchFamily="2" charset="0"/>
+                </a:rPr>
+                <a:t>are able to act as multi-purpose and as a whole swarm have the ability to multi-task using multiple sensors.</a:t>
               </a:r>
             </a:p>
           </p:txBody>
@@ -17128,31 +17180,8 @@
                   <a:latin typeface="Roboto" panose="02000000000000000000" pitchFamily="2" charset="0"/>
                   <a:ea typeface="Roboto" panose="02000000000000000000" pitchFamily="2" charset="0"/>
                 </a:rPr>
-                <a:t>The quadcopter’s design has it that it needs to have propellers protruding from it</a:t>
+                <a:t>The quadcopter’s design has it that it needs to have propellers protruding from it. Or requires obstructive propeller guards. The shape of such structures makes it hard for them to interact in a swarm.</a:t>
               </a:r>
-              <a:r>
-                <a:rPr lang="en-GB" dirty="0" smtClean="0">
-                  <a:solidFill>
-                    <a:schemeClr val="tx1">
-                      <a:lumMod val="50000"/>
-                      <a:lumOff val="50000"/>
-                    </a:schemeClr>
-                  </a:solidFill>
-                  <a:latin typeface="Roboto" panose="02000000000000000000" pitchFamily="2" charset="0"/>
-                  <a:ea typeface="Roboto" panose="02000000000000000000" pitchFamily="2" charset="0"/>
-                </a:rPr>
-                <a:t>. Or requires obstructive propeller guards. The shape of such structures makes it hard for them to interact in a swarm.</a:t>
-              </a:r>
-              <a:endParaRPr lang="en-GB" dirty="0" smtClean="0">
-                <a:solidFill>
-                  <a:schemeClr val="tx1">
-                    <a:lumMod val="50000"/>
-                    <a:lumOff val="50000"/>
-                  </a:schemeClr>
-                </a:solidFill>
-                <a:latin typeface="Roboto" panose="02000000000000000000" pitchFamily="2" charset="0"/>
-                <a:ea typeface="Roboto" panose="02000000000000000000" pitchFamily="2" charset="0"/>
-              </a:endParaRPr>
             </a:p>
           </p:txBody>
         </p:sp>
@@ -17237,10 +17266,6 @@
                 </a:rPr>
                 <a:t>2 times the cost</a:t>
               </a:r>
-              <a:endParaRPr lang="en-GB" sz="2000" dirty="0" smtClean="0">
-                <a:latin typeface="Roboto" panose="02000000000000000000" pitchFamily="2" charset="0"/>
-                <a:ea typeface="Roboto" panose="02000000000000000000" pitchFamily="2" charset="0"/>
-              </a:endParaRPr>
             </a:p>
             <a:p>
               <a:r>
@@ -17256,16 +17281,6 @@
                 </a:rPr>
                 <a:t>The fact that each quadcopter has 4 motors and ESCs means it has 2 times the cost of our 2 motors and ESCs configuration.</a:t>
               </a:r>
-              <a:endParaRPr lang="en-GB" dirty="0" smtClean="0">
-                <a:solidFill>
-                  <a:schemeClr val="tx1">
-                    <a:lumMod val="50000"/>
-                    <a:lumOff val="50000"/>
-                  </a:schemeClr>
-                </a:solidFill>
-                <a:latin typeface="Roboto" panose="02000000000000000000" pitchFamily="2" charset="0"/>
-                <a:ea typeface="Roboto" panose="02000000000000000000" pitchFamily="2" charset="0"/>
-              </a:endParaRPr>
             </a:p>
           </p:txBody>
         </p:sp>
@@ -17365,16 +17380,6 @@
                 </a:rPr>
                 <a:t>The number of moving parts on the quadcopter is higher rendering it less durable and the construction of a small swarm quadcopter renders it inefficient with low payload capacities.</a:t>
               </a:r>
-              <a:endParaRPr lang="en-GB" dirty="0" smtClean="0">
-                <a:solidFill>
-                  <a:schemeClr val="tx1">
-                    <a:lumMod val="50000"/>
-                    <a:lumOff val="50000"/>
-                  </a:schemeClr>
-                </a:solidFill>
-                <a:latin typeface="Roboto" panose="02000000000000000000" pitchFamily="2" charset="0"/>
-                <a:ea typeface="Roboto" panose="02000000000000000000" pitchFamily="2" charset="0"/>
-              </a:endParaRPr>
             </a:p>
           </p:txBody>
         </p:sp>
@@ -18308,7 +18313,7 @@
                                     <p:cond delay="0"/>
                                   </p:stCondLst>
                                   <p:childTnLst>
-                                    <p:animMotion origin="layout" path="M 3.33333E-6 1.11111E-6 L -0.93334 1.11111E-6 " pathEditMode="relative" rAng="0" ptsTypes="AA">
+                                    <p:animMotion origin="layout" path="M 3.33333E-6 -1.11111E-6 L -0.93334 -1.11111E-6 " pathEditMode="relative" rAng="0" ptsTypes="AA">
                                       <p:cBhvr>
                                         <p:cTn id="52" dur="1000" fill="hold"/>
                                         <p:tgtEl>
@@ -18949,14 +18954,14 @@
           </a:p>
           <a:p>
             <a:r>
-              <a:rPr lang="en-GB" dirty="0" err="1" smtClean="0">
+              <a:rPr lang="en-GB" smtClean="0">
                 <a:solidFill>
                   <a:schemeClr val="bg1"/>
                 </a:solidFill>
                 <a:latin typeface="Roboto" panose="02000000000000000000" pitchFamily="2" charset="0"/>
                 <a:ea typeface="Roboto" panose="02000000000000000000" pitchFamily="2" charset="0"/>
               </a:rPr>
-              <a:t>SentiBots</a:t>
+              <a:t>SentiBots- </a:t>
             </a:r>
             <a:r>
               <a:rPr lang="en-GB" dirty="0" smtClean="0">
@@ -18966,7 +18971,7 @@
                 <a:latin typeface="Roboto" panose="02000000000000000000" pitchFamily="2" charset="0"/>
                 <a:ea typeface="Roboto" panose="02000000000000000000" pitchFamily="2" charset="0"/>
               </a:rPr>
-              <a:t>- Our Solution</a:t>
+              <a:t>Our Solution</a:t>
             </a:r>
             <a:endParaRPr lang="en-GB" dirty="0">
               <a:solidFill>
@@ -19821,8 +19826,19 @@
                 <a:latin typeface="Roboto" panose="02000000000000000000" pitchFamily="2" charset="0"/>
                 <a:ea typeface="Roboto" panose="02000000000000000000" pitchFamily="2" charset="0"/>
               </a:rPr>
-              <a:t> small</a:t>
+              <a:t> small.</a:t>
             </a:r>
+          </a:p>
+          <a:p>
+            <a:endParaRPr lang="en-GB" b="1" dirty="0">
+              <a:solidFill>
+                <a:schemeClr val="tx1"/>
+              </a:solidFill>
+              <a:latin typeface="Roboto" panose="02000000000000000000" pitchFamily="2" charset="0"/>
+              <a:ea typeface="Roboto" panose="02000000000000000000" pitchFamily="2" charset="0"/>
+            </a:endParaRPr>
+          </a:p>
+          <a:p>
             <a:r>
               <a:rPr lang="en-GB" dirty="0" smtClean="0">
                 <a:solidFill>
@@ -19831,49 +19847,27 @@
                 <a:latin typeface="Roboto" panose="02000000000000000000" pitchFamily="2" charset="0"/>
                 <a:ea typeface="Roboto" panose="02000000000000000000" pitchFamily="2" charset="0"/>
               </a:rPr>
-              <a:t>.</a:t>
+              <a:t>The dual coaxial motor system has a high thrust to volume </a:t>
             </a:r>
-          </a:p>
-          <a:p>
-            <a:endParaRPr lang="en-GB" b="1" dirty="0">
-              <a:solidFill>
-                <a:schemeClr val="tx1"/>
-              </a:solidFill>
-              <a:latin typeface="Roboto" panose="02000000000000000000" pitchFamily="2" charset="0"/>
-              <a:ea typeface="Roboto" panose="02000000000000000000" pitchFamily="2" charset="0"/>
-            </a:endParaRPr>
-          </a:p>
-          <a:p>
             <a:r>
-              <a:rPr lang="en-GB" dirty="0" smtClean="0">
+              <a:rPr lang="en-GB" smtClean="0">
                 <a:solidFill>
                   <a:schemeClr val="tx1"/>
                 </a:solidFill>
                 <a:latin typeface="Roboto" panose="02000000000000000000" pitchFamily="2" charset="0"/>
                 <a:ea typeface="Roboto" panose="02000000000000000000" pitchFamily="2" charset="0"/>
               </a:rPr>
-              <a:t>The dual coaxial motor system has a high thrust to volume ration.</a:t>
+              <a:t>ration</a:t>
             </a:r>
-          </a:p>
-          <a:p>
-            <a:endParaRPr lang="en-GB" dirty="0">
-              <a:solidFill>
-                <a:schemeClr val="tx1"/>
-              </a:solidFill>
-              <a:latin typeface="Roboto" panose="02000000000000000000" pitchFamily="2" charset="0"/>
-              <a:ea typeface="Roboto" panose="02000000000000000000" pitchFamily="2" charset="0"/>
-            </a:endParaRPr>
-          </a:p>
-          <a:p>
             <a:r>
-              <a:rPr lang="en-GB" dirty="0" smtClean="0">
+              <a:rPr lang="en-GB" smtClean="0">
                 <a:solidFill>
                   <a:schemeClr val="tx1"/>
                 </a:solidFill>
                 <a:latin typeface="Roboto" panose="02000000000000000000" pitchFamily="2" charset="0"/>
                 <a:ea typeface="Roboto" panose="02000000000000000000" pitchFamily="2" charset="0"/>
               </a:rPr>
-              <a:t>4 control surface steering model allows for it to remain enclosed in a protective shell.</a:t>
+              <a:t>.</a:t>
             </a:r>
             <a:endParaRPr lang="en-GB" dirty="0">
               <a:solidFill>
@@ -19946,13 +19940,6 @@
               </a:rPr>
               <a:t>Modular</a:t>
             </a:r>
-            <a:endParaRPr lang="en-GB" sz="2400" b="1" dirty="0" smtClean="0">
-              <a:solidFill>
-                <a:schemeClr val="tx1"/>
-              </a:solidFill>
-              <a:latin typeface="Roboto" panose="02000000000000000000" pitchFamily="2" charset="0"/>
-              <a:ea typeface="Roboto" panose="02000000000000000000" pitchFamily="2" charset="0"/>
-            </a:endParaRPr>
           </a:p>
           <a:p>
             <a:r>
@@ -20107,7 +20094,25 @@
                 </a:solidFill>
                 <a:latin typeface="Roboto" panose="02000000000000000000" pitchFamily="2" charset="0"/>
               </a:rPr>
-              <a:t> is completely 3D printed to keep production costs low and for the on-the-go manufacturing needs on the field.</a:t>
+              <a:t> is completely 3D printed to keep </a:t>
+            </a:r>
+            <a:r>
+              <a:rPr lang="en-GB" dirty="0" smtClean="0">
+                <a:solidFill>
+                  <a:schemeClr val="tx1"/>
+                </a:solidFill>
+                <a:latin typeface="Roboto" panose="02000000000000000000" pitchFamily="2" charset="0"/>
+              </a:rPr>
+              <a:t>prototyping </a:t>
+            </a:r>
+            <a:r>
+              <a:rPr lang="en-GB" dirty="0" smtClean="0">
+                <a:solidFill>
+                  <a:schemeClr val="tx1"/>
+                </a:solidFill>
+                <a:latin typeface="Roboto" panose="02000000000000000000" pitchFamily="2" charset="0"/>
+              </a:rPr>
+              <a:t>costs low and for the on-the-go manufacturing needs on the field.</a:t>
             </a:r>
             <a:br>
               <a:rPr lang="en-GB" dirty="0" smtClean="0">
@@ -21001,13 +21006,6 @@
               </a:rPr>
               <a:t>PID stabilisation </a:t>
             </a:r>
-            <a:endParaRPr lang="en-GB" sz="2400" b="1" dirty="0" smtClean="0">
-              <a:solidFill>
-                <a:schemeClr val="tx1"/>
-              </a:solidFill>
-              <a:latin typeface="Roboto" panose="02000000000000000000" pitchFamily="2" charset="0"/>
-              <a:ea typeface="Roboto" panose="02000000000000000000" pitchFamily="2" charset="0"/>
-            </a:endParaRPr>
           </a:p>
           <a:p>
             <a:r>
@@ -21115,13 +21113,6 @@
               </a:rPr>
               <a:t>SLAM and distributed computing</a:t>
             </a:r>
-            <a:endParaRPr lang="en-GB" sz="2400" b="1" dirty="0" smtClean="0">
-              <a:solidFill>
-                <a:schemeClr val="tx1"/>
-              </a:solidFill>
-              <a:latin typeface="Roboto" panose="02000000000000000000" pitchFamily="2" charset="0"/>
-              <a:ea typeface="Roboto" panose="02000000000000000000" pitchFamily="2" charset="0"/>
-            </a:endParaRPr>
           </a:p>
           <a:p>
             <a:r>
@@ -21217,13 +21208,6 @@
               </a:rPr>
               <a:t>Android app</a:t>
             </a:r>
-            <a:endParaRPr lang="en-GB" sz="2400" b="1" dirty="0" smtClean="0">
-              <a:solidFill>
-                <a:schemeClr val="tx1"/>
-              </a:solidFill>
-              <a:latin typeface="Roboto" panose="02000000000000000000" pitchFamily="2" charset="0"/>
-              <a:ea typeface="Roboto" panose="02000000000000000000" pitchFamily="2" charset="0"/>
-            </a:endParaRPr>
           </a:p>
           <a:p>
             <a:r>
@@ -22192,13 +22176,6 @@
               </a:rPr>
               <a:t>Search and rescue </a:t>
             </a:r>
-            <a:endParaRPr lang="en-GB" sz="2400" b="1" dirty="0" smtClean="0">
-              <a:solidFill>
-                <a:schemeClr val="tx1"/>
-              </a:solidFill>
-              <a:latin typeface="Roboto" panose="02000000000000000000" pitchFamily="2" charset="0"/>
-              <a:ea typeface="Roboto" panose="02000000000000000000" pitchFamily="2" charset="0"/>
-            </a:endParaRPr>
           </a:p>
           <a:p>
             <a:r>
@@ -22487,13 +22464,6 @@
               </a:rPr>
               <a:t>Military reconnaissance</a:t>
             </a:r>
-            <a:endParaRPr lang="en-GB" sz="2400" b="1" dirty="0" smtClean="0">
-              <a:solidFill>
-                <a:schemeClr val="tx1"/>
-              </a:solidFill>
-              <a:latin typeface="Roboto" panose="02000000000000000000" pitchFamily="2" charset="0"/>
-              <a:ea typeface="Roboto" panose="02000000000000000000" pitchFamily="2" charset="0"/>
-            </a:endParaRPr>
           </a:p>
           <a:p>
             <a:r>

--- a/Reports/TKKYIA ppt.pptx
+++ b/Reports/TKKYIA ppt.pptx
@@ -925,7 +925,7 @@
           <a:p>
             <a:fld id="{330C46C2-E70E-41E8-B8D2-5438C7F4DB69}" type="datetimeFigureOut">
               <a:rPr lang="en-GB" smtClean="0"/>
-              <a:t>24/03/2016</a:t>
+              <a:t>29/03/2016</a:t>
             </a:fld>
             <a:endParaRPr lang="en-GB"/>
           </a:p>
@@ -1098,7 +1098,7 @@
           <a:p>
             <a:fld id="{330C46C2-E70E-41E8-B8D2-5438C7F4DB69}" type="datetimeFigureOut">
               <a:rPr lang="en-GB" smtClean="0"/>
-              <a:t>24/03/2016</a:t>
+              <a:t>29/03/2016</a:t>
             </a:fld>
             <a:endParaRPr lang="en-GB"/>
           </a:p>
@@ -1281,7 +1281,7 @@
           <a:p>
             <a:fld id="{330C46C2-E70E-41E8-B8D2-5438C7F4DB69}" type="datetimeFigureOut">
               <a:rPr lang="en-GB" smtClean="0"/>
-              <a:t>24/03/2016</a:t>
+              <a:t>29/03/2016</a:t>
             </a:fld>
             <a:endParaRPr lang="en-GB"/>
           </a:p>
@@ -1454,7 +1454,7 @@
           <a:p>
             <a:fld id="{330C46C2-E70E-41E8-B8D2-5438C7F4DB69}" type="datetimeFigureOut">
               <a:rPr lang="en-GB" smtClean="0"/>
-              <a:t>24/03/2016</a:t>
+              <a:t>29/03/2016</a:t>
             </a:fld>
             <a:endParaRPr lang="en-GB"/>
           </a:p>
@@ -1703,7 +1703,7 @@
           <a:p>
             <a:fld id="{330C46C2-E70E-41E8-B8D2-5438C7F4DB69}" type="datetimeFigureOut">
               <a:rPr lang="en-GB" smtClean="0"/>
-              <a:t>24/03/2016</a:t>
+              <a:t>29/03/2016</a:t>
             </a:fld>
             <a:endParaRPr lang="en-GB"/>
           </a:p>
@@ -1938,7 +1938,7 @@
           <a:p>
             <a:fld id="{330C46C2-E70E-41E8-B8D2-5438C7F4DB69}" type="datetimeFigureOut">
               <a:rPr lang="en-GB" smtClean="0"/>
-              <a:t>24/03/2016</a:t>
+              <a:t>29/03/2016</a:t>
             </a:fld>
             <a:endParaRPr lang="en-GB"/>
           </a:p>
@@ -2308,7 +2308,7 @@
           <a:p>
             <a:fld id="{330C46C2-E70E-41E8-B8D2-5438C7F4DB69}" type="datetimeFigureOut">
               <a:rPr lang="en-GB" smtClean="0"/>
-              <a:t>24/03/2016</a:t>
+              <a:t>29/03/2016</a:t>
             </a:fld>
             <a:endParaRPr lang="en-GB"/>
           </a:p>
@@ -2429,7 +2429,7 @@
           <a:p>
             <a:fld id="{330C46C2-E70E-41E8-B8D2-5438C7F4DB69}" type="datetimeFigureOut">
               <a:rPr lang="en-GB" smtClean="0"/>
-              <a:t>24/03/2016</a:t>
+              <a:t>29/03/2016</a:t>
             </a:fld>
             <a:endParaRPr lang="en-GB"/>
           </a:p>
@@ -2527,7 +2527,7 @@
           <a:p>
             <a:fld id="{330C46C2-E70E-41E8-B8D2-5438C7F4DB69}" type="datetimeFigureOut">
               <a:rPr lang="en-GB" smtClean="0"/>
-              <a:t>24/03/2016</a:t>
+              <a:t>29/03/2016</a:t>
             </a:fld>
             <a:endParaRPr lang="en-GB"/>
           </a:p>
@@ -2807,7 +2807,7 @@
           <a:p>
             <a:fld id="{330C46C2-E70E-41E8-B8D2-5438C7F4DB69}" type="datetimeFigureOut">
               <a:rPr lang="en-GB" smtClean="0"/>
-              <a:t>24/03/2016</a:t>
+              <a:t>29/03/2016</a:t>
             </a:fld>
             <a:endParaRPr lang="en-GB"/>
           </a:p>
@@ -3063,7 +3063,7 @@
           <a:p>
             <a:fld id="{330C46C2-E70E-41E8-B8D2-5438C7F4DB69}" type="datetimeFigureOut">
               <a:rPr lang="en-GB" smtClean="0"/>
-              <a:t>24/03/2016</a:t>
+              <a:t>29/03/2016</a:t>
             </a:fld>
             <a:endParaRPr lang="en-GB"/>
           </a:p>
@@ -3279,7 +3279,7 @@
           <a:p>
             <a:fld id="{330C46C2-E70E-41E8-B8D2-5438C7F4DB69}" type="datetimeFigureOut">
               <a:rPr lang="en-GB" smtClean="0"/>
-              <a:t>24/03/2016</a:t>
+              <a:t>29/03/2016</a:t>
             </a:fld>
             <a:endParaRPr lang="en-GB"/>
           </a:p>
@@ -16187,7 +16187,7 @@
           <p:spPr>
             <a:xfrm>
               <a:off x="939800" y="1790700"/>
-              <a:ext cx="10414000" cy="954107"/>
+              <a:ext cx="10414000" cy="400110"/>
             </a:xfrm>
             <a:prstGeom prst="rect">
               <a:avLst/>
@@ -16205,49 +16205,19 @@
                   <a:latin typeface="Roboto" panose="02000000000000000000" pitchFamily="2" charset="0"/>
                   <a:ea typeface="Roboto" panose="02000000000000000000" pitchFamily="2" charset="0"/>
                 </a:rPr>
-                <a:t>Co-operation between robots</a:t>
+                <a:t>Co-operation between </a:t>
               </a:r>
-            </a:p>
-            <a:p>
               <a:r>
-                <a:rPr lang="en-GB" dirty="0" smtClean="0">
-                  <a:solidFill>
-                    <a:schemeClr val="tx1">
-                      <a:lumMod val="50000"/>
-                      <a:lumOff val="50000"/>
-                    </a:schemeClr>
-                  </a:solidFill>
+                <a:rPr lang="en-GB" sz="2000" dirty="0" smtClean="0">
                   <a:latin typeface="Roboto" panose="02000000000000000000" pitchFamily="2" charset="0"/>
                   <a:ea typeface="Roboto" panose="02000000000000000000" pitchFamily="2" charset="0"/>
                 </a:rPr>
-                <a:t>Swarm is a system where </a:t>
+                <a:t>robots</a:t>
               </a:r>
-              <a:r>
-                <a:rPr lang="en-GB" dirty="0" smtClean="0">
-                  <a:solidFill>
-                    <a:schemeClr val="tx1">
-                      <a:lumMod val="50000"/>
-                      <a:lumOff val="50000"/>
-                    </a:schemeClr>
-                  </a:solidFill>
-                  <a:latin typeface="Roboto" panose="02000000000000000000" pitchFamily="2" charset="0"/>
-                  <a:ea typeface="Roboto" panose="02000000000000000000" pitchFamily="2" charset="0"/>
-                </a:rPr>
-                <a:t>multiple </a:t>
-              </a:r>
-              <a:r>
-                <a:rPr lang="en-GB" dirty="0" smtClean="0">
-                  <a:solidFill>
-                    <a:schemeClr val="tx1">
-                      <a:lumMod val="50000"/>
-                      <a:lumOff val="50000"/>
-                    </a:schemeClr>
-                  </a:solidFill>
-                  <a:latin typeface="Roboto" panose="02000000000000000000" pitchFamily="2" charset="0"/>
-                  <a:ea typeface="Roboto" panose="02000000000000000000" pitchFamily="2" charset="0"/>
-                </a:rPr>
-                <a:t>robots co-operate to accomplish a certain mission where each robot is able to take its own specific role and carry it out.</a:t>
-              </a:r>
+              <a:endParaRPr lang="en-GB" sz="2000" dirty="0" smtClean="0">
+                <a:latin typeface="Roboto" panose="02000000000000000000" pitchFamily="2" charset="0"/>
+                <a:ea typeface="Roboto" panose="02000000000000000000" pitchFamily="2" charset="0"/>
+              </a:endParaRPr>
             </a:p>
           </p:txBody>
         </p:sp>
@@ -16312,7 +16282,7 @@
           <p:spPr>
             <a:xfrm>
               <a:off x="939800" y="1790700"/>
-              <a:ext cx="10414000" cy="954107"/>
+              <a:ext cx="10414000" cy="400110"/>
             </a:xfrm>
             <a:prstGeom prst="rect">
               <a:avLst/>
@@ -16331,47 +16301,6 @@
                   <a:ea typeface="Roboto" panose="02000000000000000000" pitchFamily="2" charset="0"/>
                 </a:rPr>
                 <a:t>Multi-tasking of robots </a:t>
-              </a:r>
-            </a:p>
-            <a:p>
-              <a:r>
-                <a:rPr lang="en-GB" dirty="0" smtClean="0">
-                  <a:solidFill>
-                    <a:schemeClr val="tx1">
-                      <a:lumMod val="50000"/>
-                      <a:lumOff val="50000"/>
-                    </a:schemeClr>
-                  </a:solidFill>
-                  <a:latin typeface="Roboto" panose="02000000000000000000" pitchFamily="2" charset="0"/>
-                  <a:ea typeface="Roboto" panose="02000000000000000000" pitchFamily="2" charset="0"/>
-                </a:rPr>
-                <a:t>Swarm is when multiple </a:t>
-              </a:r>
-              <a:r>
-                <a:rPr lang="en-GB" dirty="0" smtClean="0">
-                  <a:solidFill>
-                    <a:schemeClr val="tx1">
-                      <a:lumMod val="50000"/>
-                      <a:lumOff val="50000"/>
-                    </a:schemeClr>
-                  </a:solidFill>
-                  <a:latin typeface="Roboto" panose="02000000000000000000" pitchFamily="2" charset="0"/>
-                  <a:ea typeface="Roboto" panose="02000000000000000000" pitchFamily="2" charset="0"/>
-                </a:rPr>
-                <a:t>robots </a:t>
-              </a:r>
-              <a:r>
-                <a:rPr lang="en-GB" dirty="0" smtClean="0">
-                  <a:solidFill>
-                    <a:schemeClr val="tx1">
-                      <a:lumMod val="50000"/>
-                      <a:lumOff val="50000"/>
-                    </a:schemeClr>
-                  </a:solidFill>
-                  <a:latin typeface="Roboto" panose="02000000000000000000" pitchFamily="2" charset="0"/>
-                  <a:ea typeface="Roboto" panose="02000000000000000000" pitchFamily="2" charset="0"/>
-                </a:rPr>
-                <a:t>are able to act as multi-purpose and as a whole swarm have the ability to multi-task using multiple sensors.</a:t>
               </a:r>
             </a:p>
           </p:txBody>
@@ -16437,7 +16366,7 @@
           <p:spPr>
             <a:xfrm>
               <a:off x="939800" y="1790700"/>
-              <a:ext cx="10414000" cy="954107"/>
+              <a:ext cx="10414000" cy="400110"/>
             </a:xfrm>
             <a:prstGeom prst="rect">
               <a:avLst/>
@@ -16455,49 +16384,19 @@
                   <a:latin typeface="Roboto" panose="02000000000000000000" pitchFamily="2" charset="0"/>
                   <a:ea typeface="Roboto" panose="02000000000000000000" pitchFamily="2" charset="0"/>
                 </a:rPr>
-                <a:t>Interoperability of robots</a:t>
+                <a:t>Interoperability of </a:t>
               </a:r>
-            </a:p>
-            <a:p>
               <a:r>
-                <a:rPr lang="en-GB" dirty="0" smtClean="0">
-                  <a:solidFill>
-                    <a:schemeClr val="tx1">
-                      <a:lumMod val="50000"/>
-                      <a:lumOff val="50000"/>
-                    </a:schemeClr>
-                  </a:solidFill>
+                <a:rPr lang="en-GB" sz="2000" dirty="0" smtClean="0">
                   <a:latin typeface="Roboto" panose="02000000000000000000" pitchFamily="2" charset="0"/>
                   <a:ea typeface="Roboto" panose="02000000000000000000" pitchFamily="2" charset="0"/>
                 </a:rPr>
-                <a:t>Swarm consists of structurally nearly identical robots which can on demand take over other robot’s roles thus creating a redundancy </a:t>
+                <a:t>robots</a:t>
               </a:r>
-              <a:r>
-                <a:rPr lang="en-GB" dirty="0" err="1" smtClean="0">
-                  <a:solidFill>
-                    <a:schemeClr val="tx1">
-                      <a:lumMod val="50000"/>
-                      <a:lumOff val="50000"/>
-                    </a:schemeClr>
-                  </a:solidFill>
-                  <a:latin typeface="Roboto" panose="02000000000000000000" pitchFamily="2" charset="0"/>
-                  <a:ea typeface="Roboto" panose="02000000000000000000" pitchFamily="2" charset="0"/>
-                </a:rPr>
-                <a:t>sytem</a:t>
-              </a:r>
-              <a:r>
-                <a:rPr lang="en-GB" dirty="0" smtClean="0">
-                  <a:solidFill>
-                    <a:schemeClr val="tx1">
-                      <a:lumMod val="50000"/>
-                      <a:lumOff val="50000"/>
-                    </a:schemeClr>
-                  </a:solidFill>
-                  <a:latin typeface="Roboto" panose="02000000000000000000" pitchFamily="2" charset="0"/>
-                  <a:ea typeface="Roboto" panose="02000000000000000000" pitchFamily="2" charset="0"/>
-                </a:rPr>
-                <a:t>.</a:t>
-              </a:r>
+              <a:endParaRPr lang="en-GB" sz="2000" dirty="0" smtClean="0">
+                <a:latin typeface="Roboto" panose="02000000000000000000" pitchFamily="2" charset="0"/>
+                <a:ea typeface="Roboto" panose="02000000000000000000" pitchFamily="2" charset="0"/>
+              </a:endParaRPr>
             </a:p>
           </p:txBody>
         </p:sp>
@@ -16742,6 +16641,16 @@
           <a:lstStyle/>
           <a:p>
             <a:r>
+              <a:rPr lang="en-GB" sz="2400" smtClean="0">
+                <a:solidFill>
+                  <a:srgbClr val="C5CAE9"/>
+                </a:solidFill>
+                <a:latin typeface="Roboto" panose="02000000000000000000" pitchFamily="2" charset="0"/>
+                <a:ea typeface="Roboto" panose="02000000000000000000" pitchFamily="2" charset="0"/>
+              </a:rPr>
+              <a:t>Optimising </a:t>
+            </a:r>
+            <a:r>
               <a:rPr lang="en-GB" sz="2400" dirty="0" smtClean="0">
                 <a:solidFill>
                   <a:srgbClr val="C5CAE9"/>
@@ -16749,7 +16658,7 @@
                 <a:latin typeface="Roboto" panose="02000000000000000000" pitchFamily="2" charset="0"/>
                 <a:ea typeface="Roboto" panose="02000000000000000000" pitchFamily="2" charset="0"/>
               </a:rPr>
-              <a:t>Optimising swarm</a:t>
+              <a:t>swarm</a:t>
             </a:r>
           </a:p>
         </p:txBody>
@@ -16850,7 +16759,7 @@
           <p:spPr>
             <a:xfrm>
               <a:off x="939800" y="1790700"/>
-              <a:ext cx="10414000" cy="954107"/>
+              <a:ext cx="10414000" cy="400110"/>
             </a:xfrm>
             <a:prstGeom prst="rect">
               <a:avLst/>
@@ -16870,21 +16779,10 @@
                 </a:rPr>
                 <a:t>Size</a:t>
               </a:r>
-            </a:p>
-            <a:p>
-              <a:r>
-                <a:rPr lang="en-GB" dirty="0" smtClean="0">
-                  <a:solidFill>
-                    <a:schemeClr val="tx1">
-                      <a:lumMod val="50000"/>
-                      <a:lumOff val="50000"/>
-                    </a:schemeClr>
-                  </a:solidFill>
-                  <a:latin typeface="Roboto" panose="02000000000000000000" pitchFamily="2" charset="0"/>
-                  <a:ea typeface="Roboto" panose="02000000000000000000" pitchFamily="2" charset="0"/>
-                </a:rPr>
-                <a:t>The size of a swarm platform is critical as the smaller size of swarm robots allow them to interact more closely with one another.</a:t>
-              </a:r>
+              <a:endParaRPr lang="en-GB" sz="2000" dirty="0" smtClean="0">
+                <a:latin typeface="Roboto" panose="02000000000000000000" pitchFamily="2" charset="0"/>
+                <a:ea typeface="Roboto" panose="02000000000000000000" pitchFamily="2" charset="0"/>
+              </a:endParaRPr>
             </a:p>
           </p:txBody>
         </p:sp>
@@ -16949,7 +16847,7 @@
           <p:spPr>
             <a:xfrm>
               <a:off x="939800" y="1790700"/>
-              <a:ext cx="10414000" cy="954107"/>
+              <a:ext cx="10414000" cy="400110"/>
             </a:xfrm>
             <a:prstGeom prst="rect">
               <a:avLst/>
@@ -16969,21 +16867,10 @@
                 </a:rPr>
                 <a:t>Expandability</a:t>
               </a:r>
-            </a:p>
-            <a:p>
-              <a:r>
-                <a:rPr lang="en-GB" dirty="0" smtClean="0">
-                  <a:solidFill>
-                    <a:schemeClr val="tx1">
-                      <a:lumMod val="50000"/>
-                      <a:lumOff val="50000"/>
-                    </a:schemeClr>
-                  </a:solidFill>
-                  <a:latin typeface="Roboto" panose="02000000000000000000" pitchFamily="2" charset="0"/>
-                  <a:ea typeface="Roboto" panose="02000000000000000000" pitchFamily="2" charset="0"/>
-                </a:rPr>
-                <a:t>Being a swarm platform, one of the key things you would want to do is to add more robots. To allow for this the expandability of the system is critical.</a:t>
-              </a:r>
+              <a:endParaRPr lang="en-GB" sz="2000" dirty="0" smtClean="0">
+                <a:latin typeface="Roboto" panose="02000000000000000000" pitchFamily="2" charset="0"/>
+                <a:ea typeface="Roboto" panose="02000000000000000000" pitchFamily="2" charset="0"/>
+              </a:endParaRPr>
             </a:p>
           </p:txBody>
         </p:sp>
@@ -17048,7 +16935,7 @@
           <p:spPr>
             <a:xfrm>
               <a:off x="939800" y="1790700"/>
-              <a:ext cx="10414000" cy="954107"/>
+              <a:ext cx="10414000" cy="400110"/>
             </a:xfrm>
             <a:prstGeom prst="rect">
               <a:avLst/>
@@ -17068,21 +16955,10 @@
                 </a:rPr>
                 <a:t>Modularity</a:t>
               </a:r>
-            </a:p>
-            <a:p>
-              <a:r>
-                <a:rPr lang="en-GB" dirty="0" smtClean="0">
-                  <a:solidFill>
-                    <a:schemeClr val="tx1">
-                      <a:lumMod val="50000"/>
-                      <a:lumOff val="50000"/>
-                    </a:schemeClr>
-                  </a:solidFill>
-                  <a:latin typeface="Roboto" panose="02000000000000000000" pitchFamily="2" charset="0"/>
-                  <a:ea typeface="Roboto" panose="02000000000000000000" pitchFamily="2" charset="0"/>
-                </a:rPr>
-                <a:t>When you need each robot to be multi-task, the ability to switch out sensors is critical. Modularity is therefore a key feature for a swarm system.</a:t>
-              </a:r>
+              <a:endParaRPr lang="en-GB" sz="2000" dirty="0" smtClean="0">
+                <a:latin typeface="Roboto" panose="02000000000000000000" pitchFamily="2" charset="0"/>
+                <a:ea typeface="Roboto" panose="02000000000000000000" pitchFamily="2" charset="0"/>
+              </a:endParaRPr>
             </a:p>
           </p:txBody>
         </p:sp>
@@ -17147,7 +17023,7 @@
           <p:spPr>
             <a:xfrm>
               <a:off x="939800" y="1790700"/>
-              <a:ext cx="10414000" cy="954107"/>
+              <a:ext cx="10414000" cy="400110"/>
             </a:xfrm>
             <a:prstGeom prst="rect">
               <a:avLst/>
@@ -17165,23 +17041,19 @@
                   <a:latin typeface="Roboto" panose="02000000000000000000" pitchFamily="2" charset="0"/>
                   <a:ea typeface="Roboto" panose="02000000000000000000" pitchFamily="2" charset="0"/>
                 </a:rPr>
-                <a:t>Protruding propellers</a:t>
+                <a:t>Protruding </a:t>
               </a:r>
-            </a:p>
-            <a:p>
               <a:r>
-                <a:rPr lang="en-GB" dirty="0" smtClean="0">
-                  <a:solidFill>
-                    <a:schemeClr val="tx1">
-                      <a:lumMod val="50000"/>
-                      <a:lumOff val="50000"/>
-                    </a:schemeClr>
-                  </a:solidFill>
+                <a:rPr lang="en-GB" sz="2000" dirty="0" smtClean="0">
                   <a:latin typeface="Roboto" panose="02000000000000000000" pitchFamily="2" charset="0"/>
                   <a:ea typeface="Roboto" panose="02000000000000000000" pitchFamily="2" charset="0"/>
                 </a:rPr>
-                <a:t>The quadcopter’s design has it that it needs to have propellers protruding from it. Or requires obstructive propeller guards. The shape of such structures makes it hard for them to interact in a swarm.</a:t>
+                <a:t>propellers</a:t>
               </a:r>
+              <a:endParaRPr lang="en-GB" sz="2000" dirty="0" smtClean="0">
+                <a:latin typeface="Roboto" panose="02000000000000000000" pitchFamily="2" charset="0"/>
+                <a:ea typeface="Roboto" panose="02000000000000000000" pitchFamily="2" charset="0"/>
+              </a:endParaRPr>
             </a:p>
           </p:txBody>
         </p:sp>
@@ -17246,7 +17118,7 @@
           <p:spPr>
             <a:xfrm>
               <a:off x="939800" y="1790700"/>
-              <a:ext cx="10414000" cy="954107"/>
+              <a:ext cx="10414000" cy="400110"/>
             </a:xfrm>
             <a:prstGeom prst="rect">
               <a:avLst/>
@@ -17264,23 +17136,19 @@
                   <a:latin typeface="Roboto" panose="02000000000000000000" pitchFamily="2" charset="0"/>
                   <a:ea typeface="Roboto" panose="02000000000000000000" pitchFamily="2" charset="0"/>
                 </a:rPr>
-                <a:t>2 times the cost</a:t>
+                <a:t>2 times the </a:t>
               </a:r>
-            </a:p>
-            <a:p>
               <a:r>
-                <a:rPr lang="en-GB" dirty="0" smtClean="0">
-                  <a:solidFill>
-                    <a:schemeClr val="tx1">
-                      <a:lumMod val="50000"/>
-                      <a:lumOff val="50000"/>
-                    </a:schemeClr>
-                  </a:solidFill>
+                <a:rPr lang="en-GB" sz="2000" dirty="0" smtClean="0">
                   <a:latin typeface="Roboto" panose="02000000000000000000" pitchFamily="2" charset="0"/>
                   <a:ea typeface="Roboto" panose="02000000000000000000" pitchFamily="2" charset="0"/>
                 </a:rPr>
-                <a:t>The fact that each quadcopter has 4 motors and ESCs means it has 2 times the cost of our 2 motors and ESCs configuration.</a:t>
+                <a:t>cost</a:t>
               </a:r>
+              <a:endParaRPr lang="en-GB" sz="2000" dirty="0" smtClean="0">
+                <a:latin typeface="Roboto" panose="02000000000000000000" pitchFamily="2" charset="0"/>
+                <a:ea typeface="Roboto" panose="02000000000000000000" pitchFamily="2" charset="0"/>
+              </a:endParaRPr>
             </a:p>
           </p:txBody>
         </p:sp>
@@ -17345,7 +17213,7 @@
           <p:spPr>
             <a:xfrm>
               <a:off x="939800" y="1790700"/>
-              <a:ext cx="10414000" cy="954107"/>
+              <a:ext cx="10414000" cy="400110"/>
             </a:xfrm>
             <a:prstGeom prst="rect">
               <a:avLst/>
@@ -17363,23 +17231,19 @@
                   <a:latin typeface="Roboto" panose="02000000000000000000" pitchFamily="2" charset="0"/>
                   <a:ea typeface="Roboto" panose="02000000000000000000" pitchFamily="2" charset="0"/>
                 </a:rPr>
-                <a:t>Durability &amp; Efficiency</a:t>
+                <a:t>Durability &amp; </a:t>
               </a:r>
-            </a:p>
-            <a:p>
               <a:r>
-                <a:rPr lang="en-GB" dirty="0" smtClean="0">
-                  <a:solidFill>
-                    <a:schemeClr val="tx1">
-                      <a:lumMod val="50000"/>
-                      <a:lumOff val="50000"/>
-                    </a:schemeClr>
-                  </a:solidFill>
+                <a:rPr lang="en-GB" sz="2000" dirty="0" smtClean="0">
                   <a:latin typeface="Roboto" panose="02000000000000000000" pitchFamily="2" charset="0"/>
                   <a:ea typeface="Roboto" panose="02000000000000000000" pitchFamily="2" charset="0"/>
                 </a:rPr>
-                <a:t>The number of moving parts on the quadcopter is higher rendering it less durable and the construction of a small swarm quadcopter renders it inefficient with low payload capacities.</a:t>
+                <a:t>Efficiency</a:t>
               </a:r>
+              <a:endParaRPr lang="en-GB" sz="2000" dirty="0" smtClean="0">
+                <a:latin typeface="Roboto" panose="02000000000000000000" pitchFamily="2" charset="0"/>
+                <a:ea typeface="Roboto" panose="02000000000000000000" pitchFamily="2" charset="0"/>
+              </a:endParaRPr>
             </a:p>
           </p:txBody>
         </p:sp>
@@ -19798,6 +19662,10 @@
             </a:r>
           </a:p>
           <a:p>
+            <a:pPr marL="285750" indent="-285750">
+              <a:buFont typeface="Arial" panose="020B0604020202020204" pitchFamily="34" charset="0"/>
+              <a:buChar char="•"/>
+            </a:pPr>
             <a:r>
               <a:rPr lang="en-GB" dirty="0" smtClean="0">
                 <a:solidFill>
@@ -19806,17 +19674,33 @@
                 <a:latin typeface="Roboto" panose="02000000000000000000" pitchFamily="2" charset="0"/>
                 <a:ea typeface="Roboto" panose="02000000000000000000" pitchFamily="2" charset="0"/>
               </a:rPr>
-              <a:t>The innovative small cylindrical shape design keeps the </a:t>
+              <a:t>Innovative cylindrical design</a:t>
             </a:r>
+          </a:p>
+          <a:p>
+            <a:pPr marL="285750" indent="-285750">
+              <a:buFont typeface="Arial" panose="020B0604020202020204" pitchFamily="34" charset="0"/>
+              <a:buChar char="•"/>
+            </a:pPr>
             <a:r>
-              <a:rPr lang="en-GB" dirty="0" err="1" smtClean="0">
+              <a:rPr lang="en-GB" dirty="0" smtClean="0">
                 <a:solidFill>
                   <a:schemeClr val="tx1"/>
                 </a:solidFill>
                 <a:latin typeface="Roboto" panose="02000000000000000000" pitchFamily="2" charset="0"/>
                 <a:ea typeface="Roboto" panose="02000000000000000000" pitchFamily="2" charset="0"/>
               </a:rPr>
-              <a:t>SentiBot</a:t>
+              <a:t>Custom </a:t>
+            </a:r>
+            <a:r>
+              <a:rPr lang="en-GB" dirty="0">
+                <a:solidFill>
+                  <a:schemeClr val="tx1"/>
+                </a:solidFill>
+                <a:latin typeface="Roboto" panose="02000000000000000000" pitchFamily="2" charset="0"/>
+                <a:ea typeface="Roboto" panose="02000000000000000000" pitchFamily="2" charset="0"/>
+              </a:rPr>
+              <a:t>d</a:t>
             </a:r>
             <a:r>
               <a:rPr lang="en-GB" dirty="0" smtClean="0">
@@ -19826,48 +19710,7 @@
                 <a:latin typeface="Roboto" panose="02000000000000000000" pitchFamily="2" charset="0"/>
                 <a:ea typeface="Roboto" panose="02000000000000000000" pitchFamily="2" charset="0"/>
               </a:rPr>
-              <a:t> small.</a:t>
-            </a:r>
-          </a:p>
-          <a:p>
-            <a:endParaRPr lang="en-GB" b="1" dirty="0">
-              <a:solidFill>
-                <a:schemeClr val="tx1"/>
-              </a:solidFill>
-              <a:latin typeface="Roboto" panose="02000000000000000000" pitchFamily="2" charset="0"/>
-              <a:ea typeface="Roboto" panose="02000000000000000000" pitchFamily="2" charset="0"/>
-            </a:endParaRPr>
-          </a:p>
-          <a:p>
-            <a:r>
-              <a:rPr lang="en-GB" dirty="0" smtClean="0">
-                <a:solidFill>
-                  <a:schemeClr val="tx1"/>
-                </a:solidFill>
-                <a:latin typeface="Roboto" panose="02000000000000000000" pitchFamily="2" charset="0"/>
-                <a:ea typeface="Roboto" panose="02000000000000000000" pitchFamily="2" charset="0"/>
-              </a:rPr>
-              <a:t>The dual coaxial motor system has a high thrust to volume </a:t>
-            </a:r>
-            <a:r>
-              <a:rPr lang="en-GB" smtClean="0">
-                <a:solidFill>
-                  <a:schemeClr val="tx1"/>
-                </a:solidFill>
-                <a:latin typeface="Roboto" panose="02000000000000000000" pitchFamily="2" charset="0"/>
-                <a:ea typeface="Roboto" panose="02000000000000000000" pitchFamily="2" charset="0"/>
-              </a:rPr>
-              <a:t>ration</a:t>
-            </a:r>
-            <a:r>
-              <a:rPr lang="en-GB" smtClean="0">
-                <a:solidFill>
-                  <a:schemeClr val="tx1"/>
-                </a:solidFill>
-                <a:latin typeface="Roboto" panose="02000000000000000000" pitchFamily="2" charset="0"/>
-                <a:ea typeface="Roboto" panose="02000000000000000000" pitchFamily="2" charset="0"/>
-              </a:rPr>
-              <a:t>.</a:t>
+              <a:t>ual co-axial motor system.</a:t>
             </a:r>
             <a:endParaRPr lang="en-GB" dirty="0">
               <a:solidFill>
@@ -19942,6 +19785,10 @@
             </a:r>
           </a:p>
           <a:p>
+            <a:pPr marL="285750" indent="-285750">
+              <a:buFont typeface="Arial" panose="020B0604020202020204" pitchFamily="34" charset="0"/>
+              <a:buChar char="•"/>
+            </a:pPr>
             <a:r>
               <a:rPr lang="en-GB" dirty="0" smtClean="0">
                 <a:solidFill>
@@ -19950,19 +19797,14 @@
                 <a:latin typeface="Roboto" panose="02000000000000000000" pitchFamily="2" charset="0"/>
                 <a:ea typeface="Roboto" panose="02000000000000000000" pitchFamily="2" charset="0"/>
               </a:rPr>
-              <a:t>The system is a fully modular system which can be taken apart and re-assembled in a short period of time.</a:t>
+              <a:t>Fully structurally modular</a:t>
             </a:r>
           </a:p>
           <a:p>
-            <a:endParaRPr lang="en-GB" dirty="0">
-              <a:solidFill>
-                <a:schemeClr val="tx1"/>
-              </a:solidFill>
-              <a:latin typeface="Roboto" panose="02000000000000000000" pitchFamily="2" charset="0"/>
-              <a:ea typeface="Roboto" panose="02000000000000000000" pitchFamily="2" charset="0"/>
-            </a:endParaRPr>
-          </a:p>
-          <a:p>
+            <a:pPr marL="285750" indent="-285750">
+              <a:buFont typeface="Arial" panose="020B0604020202020204" pitchFamily="34" charset="0"/>
+              <a:buChar char="•"/>
+            </a:pPr>
             <a:r>
               <a:rPr lang="en-GB" dirty="0" smtClean="0">
                 <a:solidFill>
@@ -19971,9 +19813,9 @@
                 <a:latin typeface="Roboto" panose="02000000000000000000" pitchFamily="2" charset="0"/>
                 <a:ea typeface="Roboto" panose="02000000000000000000" pitchFamily="2" charset="0"/>
               </a:rPr>
-              <a:t>The dual computer CPU consisting of the Edison and the ATMEGA 328 allows for sensor modularity allowing you to swap out sensors at any time.</a:t>
+              <a:t>Dual CPU architecture allows for sensor swapping on the custom PCB</a:t>
             </a:r>
-            <a:endParaRPr lang="en-GB" b="1" dirty="0">
+            <a:endParaRPr lang="en-GB" dirty="0">
               <a:solidFill>
                 <a:schemeClr val="tx1"/>
               </a:solidFill>
@@ -20050,6 +19892,10 @@
             </a:r>
           </a:p>
           <a:p>
+            <a:pPr marL="285750" indent="-285750">
+              <a:buFont typeface="Arial" panose="020B0604020202020204" pitchFamily="34" charset="0"/>
+              <a:buChar char="•"/>
+            </a:pPr>
             <a:r>
               <a:rPr lang="en-GB" dirty="0" smtClean="0">
                 <a:solidFill>
@@ -20057,10 +19903,23 @@
                 </a:solidFill>
                 <a:latin typeface="Roboto" panose="02000000000000000000" pitchFamily="2" charset="0"/>
               </a:rPr>
-              <a:t>The cost of the system is about half of that of competing drones in the same size category.</a:t>
+              <a:t>Low cost</a:t>
             </a:r>
           </a:p>
           <a:p>
+            <a:pPr marL="285750" indent="-285750">
+              <a:buFont typeface="Arial" panose="020B0604020202020204" pitchFamily="34" charset="0"/>
+              <a:buChar char="•"/>
+            </a:pPr>
+            <a:r>
+              <a:rPr lang="en-GB" dirty="0" smtClean="0">
+                <a:solidFill>
+                  <a:schemeClr val="tx1"/>
+                </a:solidFill>
+                <a:latin typeface="Roboto" panose="02000000000000000000" pitchFamily="2" charset="0"/>
+              </a:rPr>
+              <a:t>Completely 3D printed</a:t>
+            </a:r>
             <a:endParaRPr lang="en-GB" dirty="0">
               <a:solidFill>
                 <a:schemeClr val="tx1"/>
@@ -20076,43 +19935,7 @@
                 </a:solidFill>
                 <a:latin typeface="Roboto" panose="02000000000000000000" pitchFamily="2" charset="0"/>
               </a:rPr>
-              <a:t>The </a:t>
-            </a:r>
-            <a:r>
-              <a:rPr lang="en-GB" dirty="0" err="1" smtClean="0">
-                <a:solidFill>
-                  <a:schemeClr val="tx1"/>
-                </a:solidFill>
-                <a:latin typeface="Roboto" panose="02000000000000000000" pitchFamily="2" charset="0"/>
-              </a:rPr>
-              <a:t>SentiBot</a:t>
-            </a:r>
-            <a:r>
-              <a:rPr lang="en-GB" dirty="0" smtClean="0">
-                <a:solidFill>
-                  <a:schemeClr val="tx1"/>
-                </a:solidFill>
-                <a:latin typeface="Roboto" panose="02000000000000000000" pitchFamily="2" charset="0"/>
-              </a:rPr>
-              <a:t> is completely 3D printed to keep </a:t>
-            </a:r>
-            <a:r>
-              <a:rPr lang="en-GB" dirty="0" smtClean="0">
-                <a:solidFill>
-                  <a:schemeClr val="tx1"/>
-                </a:solidFill>
-                <a:latin typeface="Roboto" panose="02000000000000000000" pitchFamily="2" charset="0"/>
-              </a:rPr>
-              <a:t>prototyping </a:t>
-            </a:r>
-            <a:r>
-              <a:rPr lang="en-GB" dirty="0" smtClean="0">
-                <a:solidFill>
-                  <a:schemeClr val="tx1"/>
-                </a:solidFill>
-                <a:latin typeface="Roboto" panose="02000000000000000000" pitchFamily="2" charset="0"/>
-              </a:rPr>
-              <a:t>costs low and for the on-the-go manufacturing needs on the field.</a:t>
+              <a:t/>
             </a:r>
             <a:br>
               <a:rPr lang="en-GB" dirty="0" smtClean="0">
@@ -21008,6 +20831,10 @@
             </a:r>
           </a:p>
           <a:p>
+            <a:pPr marL="285750" indent="-285750">
+              <a:buFont typeface="Arial" panose="020B0604020202020204" pitchFamily="34" charset="0"/>
+              <a:buChar char="•"/>
+            </a:pPr>
             <a:r>
               <a:rPr lang="en-GB" dirty="0" smtClean="0">
                 <a:solidFill>
@@ -21016,19 +20843,14 @@
                 <a:latin typeface="Roboto" panose="02000000000000000000" pitchFamily="2" charset="0"/>
                 <a:ea typeface="Roboto" panose="02000000000000000000" pitchFamily="2" charset="0"/>
               </a:rPr>
-              <a:t>The robot is mainly stabilised with a PID loop which allows for it to remain in stable flight amidst disturbances.</a:t>
+              <a:t>Stabilised with a PID loop</a:t>
             </a:r>
           </a:p>
           <a:p>
-            <a:endParaRPr lang="en-GB" dirty="0">
-              <a:solidFill>
-                <a:schemeClr val="tx1"/>
-              </a:solidFill>
-              <a:latin typeface="Roboto" panose="02000000000000000000" pitchFamily="2" charset="0"/>
-              <a:ea typeface="Roboto" panose="02000000000000000000" pitchFamily="2" charset="0"/>
-            </a:endParaRPr>
-          </a:p>
-          <a:p>
+            <a:pPr marL="285750" indent="-285750">
+              <a:buFont typeface="Arial" panose="020B0604020202020204" pitchFamily="34" charset="0"/>
+              <a:buChar char="•"/>
+            </a:pPr>
             <a:r>
               <a:rPr lang="en-GB" dirty="0" smtClean="0">
                 <a:solidFill>
@@ -21037,8 +20859,51 @@
                 <a:latin typeface="Roboto" panose="02000000000000000000" pitchFamily="2" charset="0"/>
                 <a:ea typeface="Roboto" panose="02000000000000000000" pitchFamily="2" charset="0"/>
               </a:rPr>
-              <a:t>The PID loop runs on the ATMEGA 328 micro-controller which reduces the load on the Edison.</a:t>
+              <a:t>Runs on the ATMEGA 328 to reduce computational load</a:t>
             </a:r>
+          </a:p>
+          <a:p>
+            <a:pPr marL="285750" indent="-285750">
+              <a:buFont typeface="Arial" panose="020B0604020202020204" pitchFamily="34" charset="0"/>
+              <a:buChar char="•"/>
+            </a:pPr>
+            <a:r>
+              <a:rPr lang="en-GB" dirty="0" smtClean="0">
+                <a:solidFill>
+                  <a:schemeClr val="tx1"/>
+                </a:solidFill>
+                <a:latin typeface="Roboto" panose="02000000000000000000" pitchFamily="2" charset="0"/>
+                <a:ea typeface="Roboto" panose="02000000000000000000" pitchFamily="2" charset="0"/>
+              </a:rPr>
+              <a:t>Input from IMU(</a:t>
+            </a:r>
+            <a:r>
+              <a:rPr lang="en-GB" dirty="0" err="1" smtClean="0">
+                <a:solidFill>
+                  <a:schemeClr val="tx1"/>
+                </a:solidFill>
+                <a:latin typeface="Roboto" panose="02000000000000000000" pitchFamily="2" charset="0"/>
+                <a:ea typeface="Roboto" panose="02000000000000000000" pitchFamily="2" charset="0"/>
+              </a:rPr>
+              <a:t>accel+gyro+baro</a:t>
+            </a:r>
+            <a:r>
+              <a:rPr lang="en-GB" dirty="0" smtClean="0">
+                <a:solidFill>
+                  <a:schemeClr val="tx1"/>
+                </a:solidFill>
+                <a:latin typeface="Roboto" panose="02000000000000000000" pitchFamily="2" charset="0"/>
+                <a:ea typeface="Roboto" panose="02000000000000000000" pitchFamily="2" charset="0"/>
+              </a:rPr>
+              <a:t>)</a:t>
+            </a:r>
+            <a:endParaRPr lang="en-GB" dirty="0">
+              <a:solidFill>
+                <a:schemeClr val="tx1"/>
+              </a:solidFill>
+              <a:latin typeface="Roboto" panose="02000000000000000000" pitchFamily="2" charset="0"/>
+              <a:ea typeface="Roboto" panose="02000000000000000000" pitchFamily="2" charset="0"/>
+            </a:endParaRPr>
           </a:p>
           <a:p>
             <a:pPr algn="ctr"/>
@@ -21103,46 +20968,6 @@
           <a:lstStyle/>
           <a:p>
             <a:pPr algn="ctr"/>
-            <a:r>
-              <a:rPr lang="en-GB" sz="2400" b="1" dirty="0" smtClean="0">
-                <a:solidFill>
-                  <a:schemeClr val="tx1"/>
-                </a:solidFill>
-                <a:latin typeface="Roboto" panose="02000000000000000000" pitchFamily="2" charset="0"/>
-                <a:ea typeface="Roboto" panose="02000000000000000000" pitchFamily="2" charset="0"/>
-              </a:rPr>
-              <a:t>SLAM and distributed computing</a:t>
-            </a:r>
-          </a:p>
-          <a:p>
-            <a:r>
-              <a:rPr lang="en-GB" dirty="0" smtClean="0">
-                <a:solidFill>
-                  <a:schemeClr val="tx1"/>
-                </a:solidFill>
-                <a:latin typeface="Roboto" panose="02000000000000000000" pitchFamily="2" charset="0"/>
-              </a:rPr>
-              <a:t>Due to the Edison being a capable computer, on board monocular SLAM may be able to run on it</a:t>
-            </a:r>
-          </a:p>
-          <a:p>
-            <a:endParaRPr lang="en-GB" dirty="0">
-              <a:solidFill>
-                <a:schemeClr val="tx1"/>
-              </a:solidFill>
-              <a:latin typeface="Roboto" panose="02000000000000000000" pitchFamily="2" charset="0"/>
-            </a:endParaRPr>
-          </a:p>
-          <a:p>
-            <a:r>
-              <a:rPr lang="en-GB" dirty="0" smtClean="0">
-                <a:solidFill>
-                  <a:schemeClr val="tx1"/>
-                </a:solidFill>
-                <a:latin typeface="Roboto" panose="02000000000000000000" pitchFamily="2" charset="0"/>
-              </a:rPr>
-              <a:t>Along with that, we are researching into distributed computing within the swarm to enhance performance.</a:t>
-            </a:r>
             <a:endParaRPr lang="en-GB" dirty="0"/>
           </a:p>
         </p:txBody>
@@ -21210,6 +21035,10 @@
             </a:r>
           </a:p>
           <a:p>
+            <a:pPr marL="285750" indent="-285750">
+              <a:buFont typeface="Arial" panose="020B0604020202020204" pitchFamily="34" charset="0"/>
+              <a:buChar char="•"/>
+            </a:pPr>
             <a:r>
               <a:rPr lang="en-GB" dirty="0" smtClean="0">
                 <a:solidFill>
@@ -21217,17 +21046,20 @@
                 </a:solidFill>
                 <a:latin typeface="Roboto" panose="02000000000000000000" pitchFamily="2" charset="0"/>
               </a:rPr>
-              <a:t>The control of the </a:t>
+              <a:t>Control of drone through android app</a:t>
             </a:r>
-            <a:r>
-              <a:rPr lang="en-GB" dirty="0" err="1" smtClean="0">
-                <a:solidFill>
-                  <a:schemeClr val="tx1"/>
-                </a:solidFill>
-                <a:latin typeface="Roboto" panose="02000000000000000000" pitchFamily="2" charset="0"/>
-              </a:rPr>
-              <a:t>SentiBot</a:t>
-            </a:r>
+            <a:endParaRPr lang="en-GB" dirty="0" smtClean="0">
+              <a:solidFill>
+                <a:schemeClr val="tx1"/>
+              </a:solidFill>
+              <a:latin typeface="Roboto" panose="02000000000000000000" pitchFamily="2" charset="0"/>
+            </a:endParaRPr>
+          </a:p>
+          <a:p>
+            <a:pPr marL="285750" indent="-285750">
+              <a:buFont typeface="Arial" panose="020B0604020202020204" pitchFamily="34" charset="0"/>
+              <a:buChar char="•"/>
+            </a:pPr>
             <a:r>
               <a:rPr lang="en-GB" dirty="0" smtClean="0">
                 <a:solidFill>
@@ -21235,63 +21067,7 @@
                 </a:solidFill>
                 <a:latin typeface="Roboto" panose="02000000000000000000" pitchFamily="2" charset="0"/>
               </a:rPr>
-              <a:t> is done via an Android app for manual control.</a:t>
-            </a:r>
-          </a:p>
-          <a:p>
-            <a:endParaRPr lang="en-GB" dirty="0">
-              <a:solidFill>
-                <a:schemeClr val="tx1"/>
-              </a:solidFill>
-              <a:latin typeface="Roboto" panose="02000000000000000000" pitchFamily="2" charset="0"/>
-            </a:endParaRPr>
-          </a:p>
-          <a:p>
-            <a:r>
-              <a:rPr lang="en-GB" dirty="0" smtClean="0">
-                <a:solidFill>
-                  <a:schemeClr val="tx1"/>
-                </a:solidFill>
-                <a:latin typeface="Roboto" panose="02000000000000000000" pitchFamily="2" charset="0"/>
-              </a:rPr>
-              <a:t>Currently a desktop app is in the works to act as a </a:t>
-            </a:r>
-            <a:r>
-              <a:rPr lang="en-GB" dirty="0" err="1" smtClean="0">
-                <a:solidFill>
-                  <a:schemeClr val="tx1"/>
-                </a:solidFill>
-                <a:latin typeface="Roboto" panose="02000000000000000000" pitchFamily="2" charset="0"/>
-              </a:rPr>
-              <a:t>groundstation</a:t>
-            </a:r>
-            <a:r>
-              <a:rPr lang="en-GB" dirty="0" smtClean="0">
-                <a:solidFill>
-                  <a:schemeClr val="tx1"/>
-                </a:solidFill>
-                <a:latin typeface="Roboto" panose="02000000000000000000" pitchFamily="2" charset="0"/>
-              </a:rPr>
-              <a:t> for the robot to communicate to.</a:t>
-            </a:r>
-          </a:p>
-          <a:p>
-            <a:endParaRPr lang="en-GB" dirty="0">
-              <a:solidFill>
-                <a:schemeClr val="tx1"/>
-              </a:solidFill>
-              <a:latin typeface="Roboto" panose="02000000000000000000" pitchFamily="2" charset="0"/>
-            </a:endParaRPr>
-          </a:p>
-          <a:p>
-            <a:r>
-              <a:rPr lang="en-GB" dirty="0" smtClean="0">
-                <a:solidFill>
-                  <a:schemeClr val="tx1"/>
-                </a:solidFill>
-                <a:latin typeface="Roboto" panose="02000000000000000000" pitchFamily="2" charset="0"/>
-              </a:rPr>
-              <a:t>Communication to the bot is through </a:t>
+              <a:t>Communication through </a:t>
             </a:r>
             <a:r>
               <a:rPr lang="en-GB" dirty="0" err="1" smtClean="0">
@@ -21309,9 +21085,29 @@
                 </a:solidFill>
                 <a:latin typeface="Roboto" panose="02000000000000000000" pitchFamily="2" charset="0"/>
               </a:rPr>
-              <a:t>. The Edison is connected to your phone via the UDP protocol and the Edison forwards instructions to the ATMEGA through MSP.</a:t>
+              <a:t> hotspot</a:t>
             </a:r>
-            <a:endParaRPr lang="en-GB" dirty="0"/>
+          </a:p>
+          <a:p>
+            <a:pPr marL="285750" indent="-285750">
+              <a:buFont typeface="Arial" panose="020B0604020202020204" pitchFamily="34" charset="0"/>
+              <a:buChar char="•"/>
+            </a:pPr>
+            <a:r>
+              <a:rPr lang="en-GB" dirty="0" smtClean="0">
+                <a:solidFill>
+                  <a:schemeClr val="tx1"/>
+                </a:solidFill>
+                <a:latin typeface="Roboto" panose="02000000000000000000" pitchFamily="2" charset="0"/>
+              </a:rPr>
+              <a:t>Edison forwards UDP instructions to the Serial port using MSP based UART communication</a:t>
+            </a:r>
+            <a:endParaRPr lang="en-GB" dirty="0">
+              <a:solidFill>
+                <a:schemeClr val="tx1"/>
+              </a:solidFill>
+              <a:latin typeface="Roboto" panose="02000000000000000000" pitchFamily="2" charset="0"/>
+            </a:endParaRPr>
           </a:p>
         </p:txBody>
       </p:sp>
@@ -22178,6 +21974,10 @@
             </a:r>
           </a:p>
           <a:p>
+            <a:pPr marL="285750" indent="-285750">
+              <a:buFont typeface="Arial" panose="020B0604020202020204" pitchFamily="34" charset="0"/>
+              <a:buChar char="•"/>
+            </a:pPr>
             <a:r>
               <a:rPr lang="en-GB" dirty="0" smtClean="0">
                 <a:solidFill>
@@ -22186,18 +21986,14 @@
                 <a:latin typeface="Roboto" panose="02000000000000000000" pitchFamily="2" charset="0"/>
                 <a:ea typeface="Roboto" panose="02000000000000000000" pitchFamily="2" charset="0"/>
               </a:rPr>
-              <a:t>The </a:t>
+              <a:t>Provides a small and durable platform</a:t>
             </a:r>
-            <a:r>
-              <a:rPr lang="en-GB" dirty="0" err="1" smtClean="0">
-                <a:solidFill>
-                  <a:schemeClr val="tx1"/>
-                </a:solidFill>
-                <a:latin typeface="Roboto" panose="02000000000000000000" pitchFamily="2" charset="0"/>
-                <a:ea typeface="Roboto" panose="02000000000000000000" pitchFamily="2" charset="0"/>
-              </a:rPr>
-              <a:t>SentiBot</a:t>
-            </a:r>
+          </a:p>
+          <a:p>
+            <a:pPr marL="285750" indent="-285750">
+              <a:buFont typeface="Arial" panose="020B0604020202020204" pitchFamily="34" charset="0"/>
+              <a:buChar char="•"/>
+            </a:pPr>
             <a:r>
               <a:rPr lang="en-GB" dirty="0" smtClean="0">
                 <a:solidFill>
@@ -22206,10 +22002,24 @@
                 <a:latin typeface="Roboto" panose="02000000000000000000" pitchFamily="2" charset="0"/>
                 <a:ea typeface="Roboto" panose="02000000000000000000" pitchFamily="2" charset="0"/>
               </a:rPr>
-              <a:t> is ideal for search and rescue as it provides a durable and small platform. </a:t>
+              <a:t>Easily work in harsh environments/small spaces</a:t>
             </a:r>
           </a:p>
           <a:p>
+            <a:pPr marL="285750" indent="-285750">
+              <a:buFont typeface="Arial" panose="020B0604020202020204" pitchFamily="34" charset="0"/>
+              <a:buChar char="•"/>
+            </a:pPr>
+            <a:r>
+              <a:rPr lang="en-GB" dirty="0" smtClean="0">
+                <a:solidFill>
+                  <a:schemeClr val="tx1"/>
+                </a:solidFill>
+                <a:latin typeface="Roboto" panose="02000000000000000000" pitchFamily="2" charset="0"/>
+                <a:ea typeface="Roboto" panose="02000000000000000000" pitchFamily="2" charset="0"/>
+              </a:rPr>
+              <a:t>Wide range of swappable sensors</a:t>
+            </a:r>
             <a:endParaRPr lang="en-GB" dirty="0">
               <a:solidFill>
                 <a:schemeClr val="tx1"/>
@@ -22219,6 +22029,10 @@
             </a:endParaRPr>
           </a:p>
           <a:p>
+            <a:pPr marL="285750" indent="-285750">
+              <a:buFont typeface="Arial" panose="020B0604020202020204" pitchFamily="34" charset="0"/>
+              <a:buChar char="•"/>
+            </a:pPr>
             <a:r>
               <a:rPr lang="en-GB" dirty="0" smtClean="0">
                 <a:solidFill>
@@ -22227,48 +22041,15 @@
                 <a:latin typeface="Roboto" panose="02000000000000000000" pitchFamily="2" charset="0"/>
                 <a:ea typeface="Roboto" panose="02000000000000000000" pitchFamily="2" charset="0"/>
               </a:rPr>
-              <a:t>The </a:t>
+              <a:t>Swarm functionality allows for increased efficiency</a:t>
             </a:r>
-            <a:r>
-              <a:rPr lang="en-GB" dirty="0" err="1" smtClean="0">
-                <a:solidFill>
-                  <a:schemeClr val="tx1"/>
-                </a:solidFill>
-                <a:latin typeface="Roboto" panose="02000000000000000000" pitchFamily="2" charset="0"/>
-                <a:ea typeface="Roboto" panose="02000000000000000000" pitchFamily="2" charset="0"/>
-              </a:rPr>
-              <a:t>SentiBot</a:t>
-            </a:r>
-            <a:r>
-              <a:rPr lang="en-GB" dirty="0" smtClean="0">
-                <a:solidFill>
-                  <a:schemeClr val="tx1"/>
-                </a:solidFill>
-                <a:latin typeface="Roboto" panose="02000000000000000000" pitchFamily="2" charset="0"/>
-                <a:ea typeface="Roboto" panose="02000000000000000000" pitchFamily="2" charset="0"/>
-              </a:rPr>
-              <a:t> can easily move through small spaces like </a:t>
-            </a:r>
-            <a:r>
-              <a:rPr lang="en-GB" dirty="0" err="1" smtClean="0">
-                <a:solidFill>
-                  <a:schemeClr val="tx1"/>
-                </a:solidFill>
-                <a:latin typeface="Roboto" panose="02000000000000000000" pitchFamily="2" charset="0"/>
-                <a:ea typeface="Roboto" panose="02000000000000000000" pitchFamily="2" charset="0"/>
-              </a:rPr>
-              <a:t>airducts</a:t>
-            </a:r>
-            <a:r>
-              <a:rPr lang="en-GB" dirty="0" smtClean="0">
-                <a:solidFill>
-                  <a:schemeClr val="tx1"/>
-                </a:solidFill>
-                <a:latin typeface="Roboto" panose="02000000000000000000" pitchFamily="2" charset="0"/>
-                <a:ea typeface="Roboto" panose="02000000000000000000" pitchFamily="2" charset="0"/>
-              </a:rPr>
-              <a:t> and the swarm capabilities make it more ideal.</a:t>
-            </a:r>
+            <a:endParaRPr lang="en-GB" dirty="0" smtClean="0">
+              <a:solidFill>
+                <a:schemeClr val="tx1"/>
+              </a:solidFill>
+              <a:latin typeface="Roboto" panose="02000000000000000000" pitchFamily="2" charset="0"/>
+              <a:ea typeface="Roboto" panose="02000000000000000000" pitchFamily="2" charset="0"/>
+            </a:endParaRPr>
           </a:p>
         </p:txBody>
       </p:sp>
@@ -22335,6 +22116,10 @@
             </a:r>
           </a:p>
           <a:p>
+            <a:pPr marL="285750" indent="-285750">
+              <a:buFont typeface="Arial" panose="020B0604020202020204" pitchFamily="34" charset="0"/>
+              <a:buChar char="•"/>
+            </a:pPr>
             <a:r>
               <a:rPr lang="en-GB" dirty="0" smtClean="0">
                 <a:solidFill>
@@ -22342,17 +22127,14 @@
                 </a:solidFill>
                 <a:latin typeface="Roboto" panose="02000000000000000000" pitchFamily="2" charset="0"/>
               </a:rPr>
-              <a:t>The </a:t>
+              <a:t>Replace CCTV cameras in urban areas</a:t>
             </a:r>
-            <a:r>
-              <a:rPr lang="en-GB" dirty="0" err="1" smtClean="0">
-                <a:solidFill>
-                  <a:schemeClr val="tx1"/>
-                </a:solidFill>
-                <a:latin typeface="Roboto" panose="02000000000000000000" pitchFamily="2" charset="0"/>
-              </a:rPr>
-              <a:t>SentiBot</a:t>
-            </a:r>
+          </a:p>
+          <a:p>
+            <a:pPr marL="285750" indent="-285750">
+              <a:buFont typeface="Arial" panose="020B0604020202020204" pitchFamily="34" charset="0"/>
+              <a:buChar char="•"/>
+            </a:pPr>
             <a:r>
               <a:rPr lang="en-GB" dirty="0" smtClean="0">
                 <a:solidFill>
@@ -22360,18 +22142,14 @@
                 </a:solidFill>
                 <a:latin typeface="Roboto" panose="02000000000000000000" pitchFamily="2" charset="0"/>
               </a:rPr>
-              <a:t> is also useful in replacing CCTV cameras in urban regions.</a:t>
+              <a:t>Safe protective structure makes it safe around civilians</a:t>
             </a:r>
           </a:p>
           <a:p>
-            <a:endParaRPr lang="en-GB" dirty="0">
-              <a:solidFill>
-                <a:schemeClr val="tx1"/>
-              </a:solidFill>
-              <a:latin typeface="Roboto" panose="02000000000000000000" pitchFamily="2" charset="0"/>
-            </a:endParaRPr>
-          </a:p>
-          <a:p>
+            <a:pPr marL="285750" indent="-285750">
+              <a:buFont typeface="Arial" panose="020B0604020202020204" pitchFamily="34" charset="0"/>
+              <a:buChar char="•"/>
+            </a:pPr>
             <a:r>
               <a:rPr lang="en-GB" dirty="0" smtClean="0">
                 <a:solidFill>
@@ -22379,25 +22157,7 @@
                 </a:solidFill>
                 <a:latin typeface="Roboto" panose="02000000000000000000" pitchFamily="2" charset="0"/>
               </a:rPr>
-              <a:t>Instead of a normal CCTV camera, the </a:t>
-            </a:r>
-            <a:r>
-              <a:rPr lang="en-GB" dirty="0" err="1" smtClean="0">
-                <a:solidFill>
-                  <a:schemeClr val="tx1"/>
-                </a:solidFill>
-                <a:latin typeface="Roboto" panose="02000000000000000000" pitchFamily="2" charset="0"/>
-              </a:rPr>
-              <a:t>SentiBot</a:t>
-            </a:r>
-            <a:r>
-              <a:rPr lang="en-GB" dirty="0" smtClean="0">
-                <a:solidFill>
-                  <a:schemeClr val="tx1"/>
-                </a:solidFill>
-                <a:latin typeface="Roboto" panose="02000000000000000000" pitchFamily="2" charset="0"/>
-              </a:rPr>
-              <a:t> would be able to ideally reposition itself once in a while to discourage crimes.</a:t>
+              <a:t>Discourage crime by repositioning itself.</a:t>
             </a:r>
             <a:endParaRPr lang="en-GB" dirty="0"/>
           </a:p>
@@ -22466,6 +22226,10 @@
             </a:r>
           </a:p>
           <a:p>
+            <a:pPr marL="285750" indent="-285750">
+              <a:buFont typeface="Arial" panose="020B0604020202020204" pitchFamily="34" charset="0"/>
+              <a:buChar char="•"/>
+            </a:pPr>
             <a:r>
               <a:rPr lang="en-GB" dirty="0" smtClean="0">
                 <a:solidFill>
@@ -22473,17 +22237,14 @@
                 </a:solidFill>
                 <a:latin typeface="Roboto" panose="02000000000000000000" pitchFamily="2" charset="0"/>
               </a:rPr>
-              <a:t>The small form factor of the </a:t>
+              <a:t>Small form factor hides it from radar</a:t>
             </a:r>
-            <a:r>
-              <a:rPr lang="en-GB" dirty="0" err="1" smtClean="0">
-                <a:solidFill>
-                  <a:schemeClr val="tx1"/>
-                </a:solidFill>
-                <a:latin typeface="Roboto" panose="02000000000000000000" pitchFamily="2" charset="0"/>
-              </a:rPr>
-              <a:t>SentiBot</a:t>
-            </a:r>
+          </a:p>
+          <a:p>
+            <a:pPr marL="285750" indent="-285750">
+              <a:buFont typeface="Arial" panose="020B0604020202020204" pitchFamily="34" charset="0"/>
+              <a:buChar char="•"/>
+            </a:pPr>
             <a:r>
               <a:rPr lang="en-GB" dirty="0" smtClean="0">
                 <a:solidFill>
@@ -22491,26 +22252,7 @@
                 </a:solidFill>
                 <a:latin typeface="Roboto" panose="02000000000000000000" pitchFamily="2" charset="0"/>
               </a:rPr>
-              <a:t> keeps it well hidden from radar.</a:t>
-            </a:r>
-          </a:p>
-          <a:p>
-            <a:endParaRPr lang="en-GB" dirty="0">
-              <a:solidFill>
-                <a:schemeClr val="tx1"/>
-              </a:solidFill>
-              <a:latin typeface="Roboto" panose="02000000000000000000" pitchFamily="2" charset="0"/>
-            </a:endParaRPr>
-          </a:p>
-          <a:p>
-            <a:r>
-              <a:rPr lang="en-GB" dirty="0" smtClean="0">
-                <a:solidFill>
-                  <a:schemeClr val="tx1"/>
-                </a:solidFill>
-                <a:latin typeface="Roboto" panose="02000000000000000000" pitchFamily="2" charset="0"/>
-              </a:rPr>
-              <a:t>The ability to deploy multiple </a:t>
+              <a:t>Deploying multiple </a:t>
             </a:r>
             <a:r>
               <a:rPr lang="en-GB" dirty="0" err="1" smtClean="0">
@@ -22528,18 +22270,14 @@
                 </a:solidFill>
                 <a:latin typeface="Roboto" panose="02000000000000000000" pitchFamily="2" charset="0"/>
               </a:rPr>
-              <a:t> in a swarm increases the speed and efficiency of the mission.</a:t>
+              <a:t> increases speed and efficiency of mission</a:t>
             </a:r>
           </a:p>
           <a:p>
-            <a:endParaRPr lang="en-GB" dirty="0">
-              <a:solidFill>
-                <a:schemeClr val="tx1"/>
-              </a:solidFill>
-              <a:latin typeface="Roboto" panose="02000000000000000000" pitchFamily="2" charset="0"/>
-            </a:endParaRPr>
-          </a:p>
-          <a:p>
+            <a:pPr marL="285750" indent="-285750">
+              <a:buFont typeface="Arial" panose="020B0604020202020204" pitchFamily="34" charset="0"/>
+              <a:buChar char="•"/>
+            </a:pPr>
             <a:r>
               <a:rPr lang="en-GB" dirty="0" smtClean="0">
                 <a:solidFill>
@@ -22547,27 +22285,14 @@
                 </a:solidFill>
                 <a:latin typeface="Roboto" panose="02000000000000000000" pitchFamily="2" charset="0"/>
               </a:rPr>
-              <a:t>The lower cost of the </a:t>
+              <a:t>Lower cost reduces investment loss in a mission failure</a:t>
             </a:r>
-            <a:r>
-              <a:rPr lang="en-GB" dirty="0" err="1" smtClean="0">
-                <a:solidFill>
-                  <a:schemeClr val="tx1"/>
-                </a:solidFill>
-                <a:latin typeface="Roboto" panose="02000000000000000000" pitchFamily="2" charset="0"/>
-              </a:rPr>
-              <a:t>SentiBot</a:t>
-            </a:r>
-            <a:r>
-              <a:rPr lang="en-GB" dirty="0" smtClean="0">
-                <a:solidFill>
-                  <a:schemeClr val="tx1"/>
-                </a:solidFill>
-                <a:latin typeface="Roboto" panose="02000000000000000000" pitchFamily="2" charset="0"/>
-              </a:rPr>
-              <a:t> reduces the amount of investment lost if case of a mission failure.</a:t>
-            </a:r>
-            <a:endParaRPr lang="en-GB" dirty="0"/>
+            <a:endParaRPr lang="en-GB" dirty="0">
+              <a:solidFill>
+                <a:schemeClr val="tx1"/>
+              </a:solidFill>
+              <a:latin typeface="Roboto" panose="02000000000000000000" pitchFamily="2" charset="0"/>
+            </a:endParaRPr>
           </a:p>
         </p:txBody>
       </p:sp>
